--- a/docs/FLAP_UIM3_20190603.pptx
+++ b/docs/FLAP_UIM3_20190603.pptx
@@ -3275,7 +3275,7 @@
                   <a:schemeClr val="tx1"/>
                 </a:solidFill>
               </a:rPr>
-              <a:t>FLAP   UIM/2  28.03.2019                                                                                                   </a:t>
+              <a:t>FLAP   UIM/3  28.03.2019                                                                                                   </a:t>
             </a:r>
             <a:r>
               <a:rPr lang="hu-HU" sz="900" smtClean="0">
@@ -5856,19 +5856,7 @@
             </a:pPr>
             <a:r>
               <a:rPr lang="en-US" i="1" smtClean="0"/>
-              <a:t>G</a:t>
-            </a:r>
-            <a:r>
-              <a:rPr lang="en-US" i="1" smtClean="0"/>
-              <a:t>. Cseh, </a:t>
-            </a:r>
-            <a:r>
-              <a:rPr lang="en-US" i="1" smtClean="0"/>
-              <a:t>M</a:t>
-            </a:r>
-            <a:r>
-              <a:rPr lang="en-US" i="1" smtClean="0"/>
-              <a:t>. V</a:t>
+              <a:t>G. Cseh, M. V</a:t>
             </a:r>
             <a:r>
               <a:rPr lang="hu-HU" i="1" smtClean="0"/>
@@ -7091,11 +7079,7 @@
             </a:r>
             <a:r>
               <a:rPr lang="en-US"/>
-              <a:t>subplot concept can be used to create multiple plots </a:t>
-            </a:r>
-            <a:r>
-              <a:rPr lang="en-US"/>
-              <a:t>in </a:t>
+              <a:t>subplot concept can be used to create multiple plots in </a:t>
             </a:r>
             <a:r>
               <a:rPr lang="en-US" smtClean="0"/>
@@ -8529,7 +8513,7 @@
         <p:spPr>
           <a:xfrm>
             <a:off x="149469" y="891482"/>
-            <a:ext cx="9044049" cy="5078313"/>
+            <a:ext cx="9044049" cy="3416320"/>
           </a:xfrm>
           <a:prstGeom prst="rect">
             <a:avLst/>
@@ -8568,19 +8552,7 @@
               <a:rPr lang="en-US" smtClean="0">
                 <a:latin typeface="+mj-lt"/>
               </a:rPr>
-              <a:t>User’s </a:t>
-            </a:r>
-            <a:r>
-              <a:rPr lang="en-US" smtClean="0">
-                <a:latin typeface="+mj-lt"/>
-              </a:rPr>
-              <a:t>guide </a:t>
-            </a:r>
-            <a:r>
-              <a:rPr lang="en-US" smtClean="0">
-                <a:latin typeface="+mj-lt"/>
-              </a:rPr>
-              <a:t>V1.6</a:t>
+              <a:t>User’s guide V1.6</a:t>
             </a:r>
           </a:p>
           <a:p>
@@ -8597,9 +8569,6 @@
               </a:rPr>
               <a:t>Save/load</a:t>
             </a:r>
-            <a:endParaRPr lang="en-US" smtClean="0">
-              <a:latin typeface="+mj-lt"/>
-            </a:endParaRPr>
           </a:p>
           <a:p>
             <a:pPr marL="285750" indent="-285750">
@@ -8673,55 +8642,15 @@
               <a:rPr lang="en-US" smtClean="0">
                 <a:latin typeface="+mj-lt"/>
               </a:rPr>
-              <a:t>Plotting rewritten, concept defined, new plot types</a:t>
+              <a:t>Plotting rewritten, concept defined, new plot </a:t>
+            </a:r>
+            <a:r>
+              <a:rPr lang="en-US" smtClean="0">
+                <a:latin typeface="+mj-lt"/>
+              </a:rPr>
+              <a:t>types</a:t>
             </a:r>
             <a:endParaRPr lang="en-US" smtClean="0">
-              <a:latin typeface="+mj-lt"/>
-            </a:endParaRPr>
-          </a:p>
-          <a:p>
-            <a:pPr>
-              <a:lnSpc>
-                <a:spcPct val="150000"/>
-              </a:lnSpc>
-            </a:pPr>
-            <a:endParaRPr lang="en-US" smtClean="0">
-              <a:latin typeface="+mj-lt"/>
-            </a:endParaRPr>
-          </a:p>
-          <a:p>
-            <a:pPr>
-              <a:lnSpc>
-                <a:spcPct val="150000"/>
-              </a:lnSpc>
-            </a:pPr>
-            <a:endParaRPr lang="en-US" smtClean="0">
-              <a:latin typeface="+mj-lt"/>
-            </a:endParaRPr>
-          </a:p>
-          <a:p>
-            <a:pPr>
-              <a:lnSpc>
-                <a:spcPct val="150000"/>
-              </a:lnSpc>
-            </a:pPr>
-            <a:endParaRPr lang="en-US" smtClean="0">
-              <a:latin typeface="+mj-lt"/>
-            </a:endParaRPr>
-          </a:p>
-          <a:p>
-            <a:pPr>
-              <a:lnSpc>
-                <a:spcPct val="150000"/>
-              </a:lnSpc>
-            </a:pPr>
-            <a:r>
-              <a:rPr lang="en-US" smtClean="0">
-                <a:latin typeface="+mj-lt"/>
-              </a:rPr>
-              <a:t>C</a:t>
-            </a:r>
-            <a:endParaRPr lang="hu-HU" smtClean="0">
               <a:latin typeface="+mj-lt"/>
             </a:endParaRPr>
           </a:p>
@@ -8778,17 +8707,7 @@
                 <a:ea typeface="Arial Unicode MS" pitchFamily="34" charset="-128"/>
                 <a:cs typeface="Arial Unicode MS" pitchFamily="34" charset="-128"/>
               </a:rPr>
-              <a:t>Changes since </a:t>
-            </a:r>
-            <a:r>
-              <a:rPr lang="en-US" sz="2000" smtClean="0">
-                <a:solidFill>
-                  <a:schemeClr val="tx1"/>
-                </a:solidFill>
-                <a:ea typeface="Arial Unicode MS" pitchFamily="34" charset="-128"/>
-                <a:cs typeface="Arial Unicode MS" pitchFamily="34" charset="-128"/>
-              </a:rPr>
-              <a:t>UIM/2</a:t>
+              <a:t>Changes since UIM/2</a:t>
             </a:r>
             <a:endParaRPr lang="en-US" sz="2000" dirty="0">
               <a:solidFill>
@@ -8976,7 +8895,7 @@
         </p:blipFill>
         <p:spPr>
           <a:xfrm>
-            <a:off x="4144689" y="497967"/>
+            <a:off x="4144689" y="493418"/>
             <a:ext cx="5048829" cy="4198873"/>
           </a:xfrm>
           <a:prstGeom prst="rect">
@@ -8993,7 +8912,7 @@
         <p:spPr>
           <a:xfrm>
             <a:off x="149470" y="891482"/>
-            <a:ext cx="3995220" cy="6186309"/>
+            <a:ext cx="3995220" cy="5355312"/>
           </a:xfrm>
           <a:prstGeom prst="rect">
             <a:avLst/>
@@ -9024,23 +8943,55 @@
               </a:rPr>
               <a:t>      github.com/fusion-flap</a:t>
             </a:r>
+          </a:p>
+          <a:p>
+            <a:r>
+              <a:rPr lang="en-US" smtClean="0">
+                <a:latin typeface="+mj-lt"/>
+              </a:rPr>
+              <a:t>     (owner: S. Zoletnik)</a:t>
+            </a:r>
+          </a:p>
+          <a:p>
+            <a:pPr marL="285750" indent="-285750">
+              <a:buFont typeface="Arial" panose="020B0604020202020204" pitchFamily="34" charset="0"/>
+              <a:buChar char="•"/>
+            </a:pPr>
             <a:endParaRPr lang="en-US" smtClean="0">
               <a:latin typeface="+mj-lt"/>
             </a:endParaRPr>
           </a:p>
           <a:p>
-            <a:r>
-              <a:rPr lang="en-US" smtClean="0">
-                <a:latin typeface="+mj-lt"/>
-              </a:rPr>
-              <a:t>     (owner: S. Zoletnik)</a:t>
-            </a:r>
-          </a:p>
-          <a:p>
             <a:pPr marL="285750" indent="-285750">
               <a:buFont typeface="Arial" panose="020B0604020202020204" pitchFamily="34" charset="0"/>
               <a:buChar char="•"/>
             </a:pPr>
+            <a:r>
+              <a:rPr lang="en-US" smtClean="0">
+                <a:latin typeface="+mj-lt"/>
+              </a:rPr>
+              <a:t>Multiple repositories:</a:t>
+            </a:r>
+          </a:p>
+          <a:p>
+            <a:r>
+              <a:rPr lang="en-US">
+                <a:latin typeface="+mj-lt"/>
+              </a:rPr>
+              <a:t> </a:t>
+            </a:r>
+            <a:r>
+              <a:rPr lang="en-US" smtClean="0">
+                <a:latin typeface="+mj-lt"/>
+              </a:rPr>
+              <a:t>   flap + modules</a:t>
+            </a:r>
+          </a:p>
+          <a:p>
+            <a:pPr marL="285750" indent="-285750">
+              <a:buFont typeface="Arial" panose="020B0604020202020204" pitchFamily="34" charset="0"/>
+              <a:buChar char="•"/>
+            </a:pPr>
             <a:endParaRPr lang="en-US" smtClean="0">
               <a:latin typeface="+mj-lt"/>
             </a:endParaRPr>
@@ -9054,21 +9005,7 @@
               <a:rPr lang="en-US" smtClean="0">
                 <a:latin typeface="+mj-lt"/>
               </a:rPr>
-              <a:t>Multiple repositories:</a:t>
-            </a:r>
-          </a:p>
-          <a:p>
-            <a:r>
-              <a:rPr lang="en-US">
-                <a:latin typeface="+mj-lt"/>
-              </a:rPr>
-              <a:t> </a:t>
-            </a:r>
-            <a:r>
-              <a:rPr lang="en-US" smtClean="0">
-                <a:latin typeface="+mj-lt"/>
-              </a:rPr>
-              <a:t>   flap + modules</a:t>
+              <a:t>MIT license (free for everything)</a:t>
             </a:r>
           </a:p>
           <a:p>
@@ -9089,7 +9026,7 @@
               <a:rPr lang="en-US" smtClean="0">
                 <a:latin typeface="+mj-lt"/>
               </a:rPr>
-              <a:t>MIT license (free for everything)</a:t>
+              <a:t>master branch is considered as newest stable version</a:t>
             </a:r>
           </a:p>
           <a:p>
@@ -9097,6 +9034,23 @@
               <a:buFont typeface="Arial" panose="020B0604020202020204" pitchFamily="34" charset="0"/>
               <a:buChar char="•"/>
             </a:pPr>
+            <a:endParaRPr lang="en-US">
+              <a:latin typeface="+mj-lt"/>
+            </a:endParaRPr>
+          </a:p>
+          <a:p>
+            <a:pPr marL="285750" indent="-285750">
+              <a:buFont typeface="Arial" panose="020B0604020202020204" pitchFamily="34" charset="0"/>
+              <a:buChar char="•"/>
+            </a:pPr>
+            <a:r>
+              <a:rPr lang="en-US" smtClean="0">
+                <a:latin typeface="+mj-lt"/>
+              </a:rPr>
+              <a:t>Various tags (versions)</a:t>
+            </a:r>
+          </a:p>
+          <a:p>
             <a:endParaRPr lang="en-US" smtClean="0">
               <a:latin typeface="+mj-lt"/>
             </a:endParaRPr>
@@ -9110,7 +9064,7 @@
               <a:rPr lang="en-US" smtClean="0">
                 <a:latin typeface="+mj-lt"/>
               </a:rPr>
-              <a:t>master branch is considered as newest stable version</a:t>
+              <a:t>Please report issues on GitHub</a:t>
             </a:r>
           </a:p>
           <a:p>
@@ -9127,80 +9081,17 @@
               <a:buFont typeface="Arial" panose="020B0604020202020204" pitchFamily="34" charset="0"/>
               <a:buChar char="•"/>
             </a:pPr>
-            <a:r>
-              <a:rPr lang="en-US" smtClean="0">
-                <a:latin typeface="+mj-lt"/>
-              </a:rPr>
-              <a:t>Various tags (versions)</a:t>
-            </a:r>
-          </a:p>
-          <a:p>
             <a:endParaRPr lang="en-US" smtClean="0">
               <a:latin typeface="+mj-lt"/>
             </a:endParaRPr>
           </a:p>
           <a:p>
-            <a:pPr marL="285750" indent="-285750">
-              <a:buFont typeface="Arial" panose="020B0604020202020204" pitchFamily="34" charset="0"/>
-              <a:buChar char="•"/>
-            </a:pPr>
-            <a:r>
-              <a:rPr lang="en-US" smtClean="0">
-                <a:latin typeface="+mj-lt"/>
-              </a:rPr>
-              <a:t>Please report issues on GitHub</a:t>
-            </a:r>
-          </a:p>
-          <a:p>
-            <a:pPr marL="285750" indent="-285750">
-              <a:buFont typeface="Arial" panose="020B0604020202020204" pitchFamily="34" charset="0"/>
-              <a:buChar char="•"/>
-            </a:pPr>
-            <a:endParaRPr lang="en-US">
-              <a:latin typeface="+mj-lt"/>
-            </a:endParaRPr>
-          </a:p>
-          <a:p>
-            <a:pPr marL="285750" indent="-285750">
-              <a:buFont typeface="Arial" panose="020B0604020202020204" pitchFamily="34" charset="0"/>
-              <a:buChar char="•"/>
-            </a:pPr>
             <a:endParaRPr lang="en-US" smtClean="0">
               <a:latin typeface="+mj-lt"/>
             </a:endParaRPr>
           </a:p>
           <a:p>
             <a:endParaRPr lang="en-US" smtClean="0">
-              <a:latin typeface="+mj-lt"/>
-            </a:endParaRPr>
-          </a:p>
-          <a:p>
-            <a:pPr marL="285750" indent="-285750">
-              <a:buFont typeface="Arial" panose="020B0604020202020204" pitchFamily="34" charset="0"/>
-              <a:buChar char="•"/>
-            </a:pPr>
-            <a:endParaRPr lang="en-US" smtClean="0">
-              <a:latin typeface="+mj-lt"/>
-            </a:endParaRPr>
-          </a:p>
-          <a:p>
-            <a:endParaRPr lang="en-US" smtClean="0">
-              <a:latin typeface="+mj-lt"/>
-            </a:endParaRPr>
-          </a:p>
-          <a:p>
-            <a:endParaRPr lang="en-US" smtClean="0">
-              <a:latin typeface="+mj-lt"/>
-            </a:endParaRPr>
-          </a:p>
-          <a:p>
-            <a:r>
-              <a:rPr lang="en-US" smtClean="0">
-                <a:latin typeface="+mj-lt"/>
-              </a:rPr>
-              <a:t>C</a:t>
-            </a:r>
-            <a:endParaRPr lang="hu-HU" smtClean="0">
               <a:latin typeface="+mj-lt"/>
             </a:endParaRPr>
           </a:p>
@@ -10537,7 +10428,7 @@
         </p:blipFill>
         <p:spPr>
           <a:xfrm>
-            <a:off x="235575" y="2967565"/>
+            <a:off x="235575" y="3122240"/>
             <a:ext cx="7229095" cy="582083"/>
           </a:xfrm>
           <a:prstGeom prst="rect">
